--- a/ppt 16-9/1330.耶和华你的慈.pptx
+++ b/ppt 16-9/1330.耶和华你的慈.pptx
@@ -5,7 +5,7 @@
     <p:sldMasterId id="2147483648" r:id="rId1"/>
   </p:sldMasterIdLst>
   <p:sldIdLst>
-    <p:sldId id="884" r:id="rId2"/>
+    <p:sldId id="885" r:id="rId2"/>
   </p:sldIdLst>
   <p:sldSz cx="12192000" cy="6858000"/>
   <p:notesSz cx="6858000" cy="9144000"/>
@@ -129,7 +129,7 @@
           <p:cNvPr id="2" name="标题 1">
             <a:extLst>
               <a:ext uri="{FF2B5EF4-FFF2-40B4-BE49-F238E27FC236}">
-                <a16:creationId xmlns:a16="http://schemas.microsoft.com/office/drawing/2014/main" id="{3A1B73ED-2A49-57A2-E8D4-06A56760A8F6}"/>
+                <a16:creationId xmlns:a16="http://schemas.microsoft.com/office/drawing/2014/main" id="{CC328739-43B4-9718-FD84-49C24F13148A}"/>
               </a:ext>
             </a:extLst>
           </p:cNvPr>
@@ -166,7 +166,7 @@
           <p:cNvPr id="3" name="副标题 2">
             <a:extLst>
               <a:ext uri="{FF2B5EF4-FFF2-40B4-BE49-F238E27FC236}">
-                <a16:creationId xmlns:a16="http://schemas.microsoft.com/office/drawing/2014/main" id="{4D04295E-233A-AA44-1775-18F6EC7B8270}"/>
+                <a16:creationId xmlns:a16="http://schemas.microsoft.com/office/drawing/2014/main" id="{960EB316-6155-DE2A-BA4C-4B43FF7671AB}"/>
               </a:ext>
             </a:extLst>
           </p:cNvPr>
@@ -236,7 +236,7 @@
           <p:cNvPr id="4" name="日期占位符 3">
             <a:extLst>
               <a:ext uri="{FF2B5EF4-FFF2-40B4-BE49-F238E27FC236}">
-                <a16:creationId xmlns:a16="http://schemas.microsoft.com/office/drawing/2014/main" id="{9D886175-1947-0201-D870-9F5FD240D385}"/>
+                <a16:creationId xmlns:a16="http://schemas.microsoft.com/office/drawing/2014/main" id="{FC7C7E86-112F-7F69-BFB8-031B088E3E88}"/>
               </a:ext>
             </a:extLst>
           </p:cNvPr>
@@ -252,7 +252,7 @@
           <a:bodyPr/>
           <a:lstStyle/>
           <a:p>
-            <a:fld id="{21DCE71C-C451-4048-9DDA-5C9A3A555AFF}" type="datetimeFigureOut">
+            <a:fld id="{9F1FA16A-14DB-4FB5-A7B7-73FD081F9987}" type="datetimeFigureOut">
               <a:rPr lang="zh-CN" altLang="en-US" smtClean="0"/>
               <a:t>2024/3/10</a:t>
             </a:fld>
@@ -265,7 +265,7 @@
           <p:cNvPr id="5" name="页脚占位符 4">
             <a:extLst>
               <a:ext uri="{FF2B5EF4-FFF2-40B4-BE49-F238E27FC236}">
-                <a16:creationId xmlns:a16="http://schemas.microsoft.com/office/drawing/2014/main" id="{5770F397-FF5D-334A-9815-2726920BAE21}"/>
+                <a16:creationId xmlns:a16="http://schemas.microsoft.com/office/drawing/2014/main" id="{188609FA-7BEB-E57F-396F-B7B96887CCA1}"/>
               </a:ext>
             </a:extLst>
           </p:cNvPr>
@@ -290,7 +290,7 @@
           <p:cNvPr id="6" name="灯片编号占位符 5">
             <a:extLst>
               <a:ext uri="{FF2B5EF4-FFF2-40B4-BE49-F238E27FC236}">
-                <a16:creationId xmlns:a16="http://schemas.microsoft.com/office/drawing/2014/main" id="{3E10A182-9D6E-97C9-D6D1-E0FDC53EE08A}"/>
+                <a16:creationId xmlns:a16="http://schemas.microsoft.com/office/drawing/2014/main" id="{335D39FE-E4EE-5424-EC36-4E8C00E02CEC}"/>
               </a:ext>
             </a:extLst>
           </p:cNvPr>
@@ -306,7 +306,7 @@
           <a:bodyPr/>
           <a:lstStyle/>
           <a:p>
-            <a:fld id="{647F1E24-9754-45BF-9214-CB70E1AA975D}" type="slidenum">
+            <a:fld id="{52C6F66F-4053-47D2-8FED-0AE04D9126F1}" type="slidenum">
               <a:rPr lang="zh-CN" altLang="en-US" smtClean="0"/>
               <a:t>‹#›</a:t>
             </a:fld>
@@ -317,7 +317,7 @@
     </p:spTree>
     <p:extLst>
       <p:ext uri="{BB962C8B-B14F-4D97-AF65-F5344CB8AC3E}">
-        <p14:creationId xmlns:p14="http://schemas.microsoft.com/office/powerpoint/2010/main" val="3677643885"/>
+        <p14:creationId xmlns:p14="http://schemas.microsoft.com/office/powerpoint/2010/main" val="3961032639"/>
       </p:ext>
     </p:extLst>
   </p:cSld>
@@ -349,7 +349,7 @@
           <p:cNvPr id="2" name="标题 1">
             <a:extLst>
               <a:ext uri="{FF2B5EF4-FFF2-40B4-BE49-F238E27FC236}">
-                <a16:creationId xmlns:a16="http://schemas.microsoft.com/office/drawing/2014/main" id="{3A5D7D89-5176-2776-F8EC-D57E851C4CCA}"/>
+                <a16:creationId xmlns:a16="http://schemas.microsoft.com/office/drawing/2014/main" id="{8B6E3771-510C-1D71-5DD7-C412245F8687}"/>
               </a:ext>
             </a:extLst>
           </p:cNvPr>
@@ -377,7 +377,7 @@
           <p:cNvPr id="3" name="竖排文字占位符 2">
             <a:extLst>
               <a:ext uri="{FF2B5EF4-FFF2-40B4-BE49-F238E27FC236}">
-                <a16:creationId xmlns:a16="http://schemas.microsoft.com/office/drawing/2014/main" id="{45DD3687-15EA-6B01-3AFF-CCE29562CF87}"/>
+                <a16:creationId xmlns:a16="http://schemas.microsoft.com/office/drawing/2014/main" id="{F2A64384-3BCC-B76A-4206-D6BA08E20A5E}"/>
               </a:ext>
             </a:extLst>
           </p:cNvPr>
@@ -434,7 +434,7 @@
           <p:cNvPr id="4" name="日期占位符 3">
             <a:extLst>
               <a:ext uri="{FF2B5EF4-FFF2-40B4-BE49-F238E27FC236}">
-                <a16:creationId xmlns:a16="http://schemas.microsoft.com/office/drawing/2014/main" id="{565EEFA8-457F-F0F1-1A8B-70CECB3B50E5}"/>
+                <a16:creationId xmlns:a16="http://schemas.microsoft.com/office/drawing/2014/main" id="{5D36F56A-A020-3D1D-7680-D374F7EAE367}"/>
               </a:ext>
             </a:extLst>
           </p:cNvPr>
@@ -450,7 +450,7 @@
           <a:bodyPr/>
           <a:lstStyle/>
           <a:p>
-            <a:fld id="{21DCE71C-C451-4048-9DDA-5C9A3A555AFF}" type="datetimeFigureOut">
+            <a:fld id="{9F1FA16A-14DB-4FB5-A7B7-73FD081F9987}" type="datetimeFigureOut">
               <a:rPr lang="zh-CN" altLang="en-US" smtClean="0"/>
               <a:t>2024/3/10</a:t>
             </a:fld>
@@ -463,7 +463,7 @@
           <p:cNvPr id="5" name="页脚占位符 4">
             <a:extLst>
               <a:ext uri="{FF2B5EF4-FFF2-40B4-BE49-F238E27FC236}">
-                <a16:creationId xmlns:a16="http://schemas.microsoft.com/office/drawing/2014/main" id="{936D6FC1-126B-73FA-7597-8A6D9712F2C3}"/>
+                <a16:creationId xmlns:a16="http://schemas.microsoft.com/office/drawing/2014/main" id="{16DFCDE6-602D-AE45-0CD9-0792757AEA7B}"/>
               </a:ext>
             </a:extLst>
           </p:cNvPr>
@@ -488,7 +488,7 @@
           <p:cNvPr id="6" name="灯片编号占位符 5">
             <a:extLst>
               <a:ext uri="{FF2B5EF4-FFF2-40B4-BE49-F238E27FC236}">
-                <a16:creationId xmlns:a16="http://schemas.microsoft.com/office/drawing/2014/main" id="{40DEBE43-5D30-F56D-B054-19802E0BA8C7}"/>
+                <a16:creationId xmlns:a16="http://schemas.microsoft.com/office/drawing/2014/main" id="{F7F80C6F-6271-9CA8-FC4F-5BBB17E2576F}"/>
               </a:ext>
             </a:extLst>
           </p:cNvPr>
@@ -504,7 +504,7 @@
           <a:bodyPr/>
           <a:lstStyle/>
           <a:p>
-            <a:fld id="{647F1E24-9754-45BF-9214-CB70E1AA975D}" type="slidenum">
+            <a:fld id="{52C6F66F-4053-47D2-8FED-0AE04D9126F1}" type="slidenum">
               <a:rPr lang="zh-CN" altLang="en-US" smtClean="0"/>
               <a:t>‹#›</a:t>
             </a:fld>
@@ -515,7 +515,7 @@
     </p:spTree>
     <p:extLst>
       <p:ext uri="{BB962C8B-B14F-4D97-AF65-F5344CB8AC3E}">
-        <p14:creationId xmlns:p14="http://schemas.microsoft.com/office/powerpoint/2010/main" val="895714704"/>
+        <p14:creationId xmlns:p14="http://schemas.microsoft.com/office/powerpoint/2010/main" val="919422299"/>
       </p:ext>
     </p:extLst>
   </p:cSld>
@@ -547,7 +547,7 @@
           <p:cNvPr id="2" name="竖排标题 1">
             <a:extLst>
               <a:ext uri="{FF2B5EF4-FFF2-40B4-BE49-F238E27FC236}">
-                <a16:creationId xmlns:a16="http://schemas.microsoft.com/office/drawing/2014/main" id="{5D08464E-138A-76A9-4534-7B75ED1BAF0F}"/>
+                <a16:creationId xmlns:a16="http://schemas.microsoft.com/office/drawing/2014/main" id="{D8A2AF11-0CB1-C15A-20C2-515C3F442D29}"/>
               </a:ext>
             </a:extLst>
           </p:cNvPr>
@@ -580,7 +580,7 @@
           <p:cNvPr id="3" name="竖排文字占位符 2">
             <a:extLst>
               <a:ext uri="{FF2B5EF4-FFF2-40B4-BE49-F238E27FC236}">
-                <a16:creationId xmlns:a16="http://schemas.microsoft.com/office/drawing/2014/main" id="{48E24636-1444-644B-DCD2-4459DFC38F83}"/>
+                <a16:creationId xmlns:a16="http://schemas.microsoft.com/office/drawing/2014/main" id="{AD2DF52F-2CC8-6E47-29FE-4E02A0342287}"/>
               </a:ext>
             </a:extLst>
           </p:cNvPr>
@@ -642,7 +642,7 @@
           <p:cNvPr id="4" name="日期占位符 3">
             <a:extLst>
               <a:ext uri="{FF2B5EF4-FFF2-40B4-BE49-F238E27FC236}">
-                <a16:creationId xmlns:a16="http://schemas.microsoft.com/office/drawing/2014/main" id="{CD8F30E9-E1C4-ECB5-C098-7622721C754D}"/>
+                <a16:creationId xmlns:a16="http://schemas.microsoft.com/office/drawing/2014/main" id="{CCC36DF2-2EB1-A91F-19A9-09DBE4BBD147}"/>
               </a:ext>
             </a:extLst>
           </p:cNvPr>
@@ -658,7 +658,7 @@
           <a:bodyPr/>
           <a:lstStyle/>
           <a:p>
-            <a:fld id="{21DCE71C-C451-4048-9DDA-5C9A3A555AFF}" type="datetimeFigureOut">
+            <a:fld id="{9F1FA16A-14DB-4FB5-A7B7-73FD081F9987}" type="datetimeFigureOut">
               <a:rPr lang="zh-CN" altLang="en-US" smtClean="0"/>
               <a:t>2024/3/10</a:t>
             </a:fld>
@@ -671,7 +671,7 @@
           <p:cNvPr id="5" name="页脚占位符 4">
             <a:extLst>
               <a:ext uri="{FF2B5EF4-FFF2-40B4-BE49-F238E27FC236}">
-                <a16:creationId xmlns:a16="http://schemas.microsoft.com/office/drawing/2014/main" id="{72E38002-3771-B613-6A9F-AEA5639FDE2C}"/>
+                <a16:creationId xmlns:a16="http://schemas.microsoft.com/office/drawing/2014/main" id="{BA96B4FC-C7EA-C1E0-38AA-6FBFB5CCA672}"/>
               </a:ext>
             </a:extLst>
           </p:cNvPr>
@@ -696,7 +696,7 @@
           <p:cNvPr id="6" name="灯片编号占位符 5">
             <a:extLst>
               <a:ext uri="{FF2B5EF4-FFF2-40B4-BE49-F238E27FC236}">
-                <a16:creationId xmlns:a16="http://schemas.microsoft.com/office/drawing/2014/main" id="{F5FEC940-5CD3-3FAD-752A-090F06091A42}"/>
+                <a16:creationId xmlns:a16="http://schemas.microsoft.com/office/drawing/2014/main" id="{4CD0B28E-B8B9-BA18-0F02-DBEEC75A0269}"/>
               </a:ext>
             </a:extLst>
           </p:cNvPr>
@@ -712,7 +712,7 @@
           <a:bodyPr/>
           <a:lstStyle/>
           <a:p>
-            <a:fld id="{647F1E24-9754-45BF-9214-CB70E1AA975D}" type="slidenum">
+            <a:fld id="{52C6F66F-4053-47D2-8FED-0AE04D9126F1}" type="slidenum">
               <a:rPr lang="zh-CN" altLang="en-US" smtClean="0"/>
               <a:t>‹#›</a:t>
             </a:fld>
@@ -723,7 +723,7 @@
     </p:spTree>
     <p:extLst>
       <p:ext uri="{BB962C8B-B14F-4D97-AF65-F5344CB8AC3E}">
-        <p14:creationId xmlns:p14="http://schemas.microsoft.com/office/powerpoint/2010/main" val="172683556"/>
+        <p14:creationId xmlns:p14="http://schemas.microsoft.com/office/powerpoint/2010/main" val="1891489725"/>
       </p:ext>
     </p:extLst>
   </p:cSld>
@@ -755,7 +755,7 @@
           <p:cNvPr id="2" name="标题 1">
             <a:extLst>
               <a:ext uri="{FF2B5EF4-FFF2-40B4-BE49-F238E27FC236}">
-                <a16:creationId xmlns:a16="http://schemas.microsoft.com/office/drawing/2014/main" id="{C9832806-D720-EDAA-6B0D-D8DB0D476840}"/>
+                <a16:creationId xmlns:a16="http://schemas.microsoft.com/office/drawing/2014/main" id="{6034E32A-E401-666C-4310-5391316C6E2E}"/>
               </a:ext>
             </a:extLst>
           </p:cNvPr>
@@ -783,7 +783,7 @@
           <p:cNvPr id="3" name="内容占位符 2">
             <a:extLst>
               <a:ext uri="{FF2B5EF4-FFF2-40B4-BE49-F238E27FC236}">
-                <a16:creationId xmlns:a16="http://schemas.microsoft.com/office/drawing/2014/main" id="{B204B41E-C37F-32C7-E14F-0A622DEAD00F}"/>
+                <a16:creationId xmlns:a16="http://schemas.microsoft.com/office/drawing/2014/main" id="{080F391B-509A-5922-2D13-0BBFA11CDD16}"/>
               </a:ext>
             </a:extLst>
           </p:cNvPr>
@@ -840,7 +840,7 @@
           <p:cNvPr id="4" name="日期占位符 3">
             <a:extLst>
               <a:ext uri="{FF2B5EF4-FFF2-40B4-BE49-F238E27FC236}">
-                <a16:creationId xmlns:a16="http://schemas.microsoft.com/office/drawing/2014/main" id="{E62CF22C-89CE-E84F-15F8-8DF1D68EC35F}"/>
+                <a16:creationId xmlns:a16="http://schemas.microsoft.com/office/drawing/2014/main" id="{BAA1BEAB-85EE-4460-AF4C-251623BBEDF5}"/>
               </a:ext>
             </a:extLst>
           </p:cNvPr>
@@ -856,7 +856,7 @@
           <a:bodyPr/>
           <a:lstStyle/>
           <a:p>
-            <a:fld id="{21DCE71C-C451-4048-9DDA-5C9A3A555AFF}" type="datetimeFigureOut">
+            <a:fld id="{9F1FA16A-14DB-4FB5-A7B7-73FD081F9987}" type="datetimeFigureOut">
               <a:rPr lang="zh-CN" altLang="en-US" smtClean="0"/>
               <a:t>2024/3/10</a:t>
             </a:fld>
@@ -869,7 +869,7 @@
           <p:cNvPr id="5" name="页脚占位符 4">
             <a:extLst>
               <a:ext uri="{FF2B5EF4-FFF2-40B4-BE49-F238E27FC236}">
-                <a16:creationId xmlns:a16="http://schemas.microsoft.com/office/drawing/2014/main" id="{560DA613-ED5A-AD8D-53B5-530435E6C543}"/>
+                <a16:creationId xmlns:a16="http://schemas.microsoft.com/office/drawing/2014/main" id="{53A5427C-0D47-6CA3-DE06-BECFB15318D9}"/>
               </a:ext>
             </a:extLst>
           </p:cNvPr>
@@ -894,7 +894,7 @@
           <p:cNvPr id="6" name="灯片编号占位符 5">
             <a:extLst>
               <a:ext uri="{FF2B5EF4-FFF2-40B4-BE49-F238E27FC236}">
-                <a16:creationId xmlns:a16="http://schemas.microsoft.com/office/drawing/2014/main" id="{B173DAD7-9313-47A0-63AB-D2B2B3E44D83}"/>
+                <a16:creationId xmlns:a16="http://schemas.microsoft.com/office/drawing/2014/main" id="{FA61CA1D-E2C2-14E5-1AC7-A310D5AE002C}"/>
               </a:ext>
             </a:extLst>
           </p:cNvPr>
@@ -910,7 +910,7 @@
           <a:bodyPr/>
           <a:lstStyle/>
           <a:p>
-            <a:fld id="{647F1E24-9754-45BF-9214-CB70E1AA975D}" type="slidenum">
+            <a:fld id="{52C6F66F-4053-47D2-8FED-0AE04D9126F1}" type="slidenum">
               <a:rPr lang="zh-CN" altLang="en-US" smtClean="0"/>
               <a:t>‹#›</a:t>
             </a:fld>
@@ -921,7 +921,7 @@
     </p:spTree>
     <p:extLst>
       <p:ext uri="{BB962C8B-B14F-4D97-AF65-F5344CB8AC3E}">
-        <p14:creationId xmlns:p14="http://schemas.microsoft.com/office/powerpoint/2010/main" val="590742520"/>
+        <p14:creationId xmlns:p14="http://schemas.microsoft.com/office/powerpoint/2010/main" val="455769449"/>
       </p:ext>
     </p:extLst>
   </p:cSld>
@@ -953,7 +953,7 @@
           <p:cNvPr id="2" name="标题 1">
             <a:extLst>
               <a:ext uri="{FF2B5EF4-FFF2-40B4-BE49-F238E27FC236}">
-                <a16:creationId xmlns:a16="http://schemas.microsoft.com/office/drawing/2014/main" id="{D800EA2C-276E-8AF3-ABC3-389F32C155E3}"/>
+                <a16:creationId xmlns:a16="http://schemas.microsoft.com/office/drawing/2014/main" id="{97803C84-72D7-8415-3C3D-E7DB37844798}"/>
               </a:ext>
             </a:extLst>
           </p:cNvPr>
@@ -990,7 +990,7 @@
           <p:cNvPr id="3" name="文本占位符 2">
             <a:extLst>
               <a:ext uri="{FF2B5EF4-FFF2-40B4-BE49-F238E27FC236}">
-                <a16:creationId xmlns:a16="http://schemas.microsoft.com/office/drawing/2014/main" id="{A925AFE8-170B-B43E-F48A-CDD03F9A36C8}"/>
+                <a16:creationId xmlns:a16="http://schemas.microsoft.com/office/drawing/2014/main" id="{AA97B6FE-6E8C-64A5-22F3-31A67F310153}"/>
               </a:ext>
             </a:extLst>
           </p:cNvPr>
@@ -1115,7 +1115,7 @@
           <p:cNvPr id="4" name="日期占位符 3">
             <a:extLst>
               <a:ext uri="{FF2B5EF4-FFF2-40B4-BE49-F238E27FC236}">
-                <a16:creationId xmlns:a16="http://schemas.microsoft.com/office/drawing/2014/main" id="{A82E4287-1B5C-9F6E-7829-6BE509357068}"/>
+                <a16:creationId xmlns:a16="http://schemas.microsoft.com/office/drawing/2014/main" id="{54B3EA03-AA98-9286-AA59-9A82FE428675}"/>
               </a:ext>
             </a:extLst>
           </p:cNvPr>
@@ -1131,7 +1131,7 @@
           <a:bodyPr/>
           <a:lstStyle/>
           <a:p>
-            <a:fld id="{21DCE71C-C451-4048-9DDA-5C9A3A555AFF}" type="datetimeFigureOut">
+            <a:fld id="{9F1FA16A-14DB-4FB5-A7B7-73FD081F9987}" type="datetimeFigureOut">
               <a:rPr lang="zh-CN" altLang="en-US" smtClean="0"/>
               <a:t>2024/3/10</a:t>
             </a:fld>
@@ -1144,7 +1144,7 @@
           <p:cNvPr id="5" name="页脚占位符 4">
             <a:extLst>
               <a:ext uri="{FF2B5EF4-FFF2-40B4-BE49-F238E27FC236}">
-                <a16:creationId xmlns:a16="http://schemas.microsoft.com/office/drawing/2014/main" id="{491534D6-6127-60EF-F3D2-DC5F4152B105}"/>
+                <a16:creationId xmlns:a16="http://schemas.microsoft.com/office/drawing/2014/main" id="{E4A7BF4D-D0D6-4742-D0F9-E049A4586A13}"/>
               </a:ext>
             </a:extLst>
           </p:cNvPr>
@@ -1169,7 +1169,7 @@
           <p:cNvPr id="6" name="灯片编号占位符 5">
             <a:extLst>
               <a:ext uri="{FF2B5EF4-FFF2-40B4-BE49-F238E27FC236}">
-                <a16:creationId xmlns:a16="http://schemas.microsoft.com/office/drawing/2014/main" id="{8F380B59-A78A-A656-6885-D5F66CB2FA43}"/>
+                <a16:creationId xmlns:a16="http://schemas.microsoft.com/office/drawing/2014/main" id="{83F36EA0-F4E0-442D-DFB2-D58292BE7283}"/>
               </a:ext>
             </a:extLst>
           </p:cNvPr>
@@ -1185,7 +1185,7 @@
           <a:bodyPr/>
           <a:lstStyle/>
           <a:p>
-            <a:fld id="{647F1E24-9754-45BF-9214-CB70E1AA975D}" type="slidenum">
+            <a:fld id="{52C6F66F-4053-47D2-8FED-0AE04D9126F1}" type="slidenum">
               <a:rPr lang="zh-CN" altLang="en-US" smtClean="0"/>
               <a:t>‹#›</a:t>
             </a:fld>
@@ -1196,7 +1196,7 @@
     </p:spTree>
     <p:extLst>
       <p:ext uri="{BB962C8B-B14F-4D97-AF65-F5344CB8AC3E}">
-        <p14:creationId xmlns:p14="http://schemas.microsoft.com/office/powerpoint/2010/main" val="3585002531"/>
+        <p14:creationId xmlns:p14="http://schemas.microsoft.com/office/powerpoint/2010/main" val="374169474"/>
       </p:ext>
     </p:extLst>
   </p:cSld>
@@ -1228,7 +1228,7 @@
           <p:cNvPr id="2" name="标题 1">
             <a:extLst>
               <a:ext uri="{FF2B5EF4-FFF2-40B4-BE49-F238E27FC236}">
-                <a16:creationId xmlns:a16="http://schemas.microsoft.com/office/drawing/2014/main" id="{9CCFEDFF-285E-6AEF-D942-174961497F20}"/>
+                <a16:creationId xmlns:a16="http://schemas.microsoft.com/office/drawing/2014/main" id="{D2FABA4E-296A-4991-F7E7-4DFADDD891FE}"/>
               </a:ext>
             </a:extLst>
           </p:cNvPr>
@@ -1256,7 +1256,7 @@
           <p:cNvPr id="3" name="内容占位符 2">
             <a:extLst>
               <a:ext uri="{FF2B5EF4-FFF2-40B4-BE49-F238E27FC236}">
-                <a16:creationId xmlns:a16="http://schemas.microsoft.com/office/drawing/2014/main" id="{E8C0C7AA-ECA5-F795-2139-FD43771FA828}"/>
+                <a16:creationId xmlns:a16="http://schemas.microsoft.com/office/drawing/2014/main" id="{6BF96756-8DC5-D8B2-88E7-32A98475C3D5}"/>
               </a:ext>
             </a:extLst>
           </p:cNvPr>
@@ -1318,7 +1318,7 @@
           <p:cNvPr id="4" name="内容占位符 3">
             <a:extLst>
               <a:ext uri="{FF2B5EF4-FFF2-40B4-BE49-F238E27FC236}">
-                <a16:creationId xmlns:a16="http://schemas.microsoft.com/office/drawing/2014/main" id="{E500C095-1879-0811-521E-18B001CE865B}"/>
+                <a16:creationId xmlns:a16="http://schemas.microsoft.com/office/drawing/2014/main" id="{0C19619D-AFA0-7044-0FCE-268699C2B238}"/>
               </a:ext>
             </a:extLst>
           </p:cNvPr>
@@ -1380,7 +1380,7 @@
           <p:cNvPr id="5" name="日期占位符 4">
             <a:extLst>
               <a:ext uri="{FF2B5EF4-FFF2-40B4-BE49-F238E27FC236}">
-                <a16:creationId xmlns:a16="http://schemas.microsoft.com/office/drawing/2014/main" id="{FF661735-49B4-DB06-BBD4-17ECA247CC5B}"/>
+                <a16:creationId xmlns:a16="http://schemas.microsoft.com/office/drawing/2014/main" id="{6BD55E73-5753-883C-EF48-3F00EF2DEBB3}"/>
               </a:ext>
             </a:extLst>
           </p:cNvPr>
@@ -1396,7 +1396,7 @@
           <a:bodyPr/>
           <a:lstStyle/>
           <a:p>
-            <a:fld id="{21DCE71C-C451-4048-9DDA-5C9A3A555AFF}" type="datetimeFigureOut">
+            <a:fld id="{9F1FA16A-14DB-4FB5-A7B7-73FD081F9987}" type="datetimeFigureOut">
               <a:rPr lang="zh-CN" altLang="en-US" smtClean="0"/>
               <a:t>2024/3/10</a:t>
             </a:fld>
@@ -1409,7 +1409,7 @@
           <p:cNvPr id="6" name="页脚占位符 5">
             <a:extLst>
               <a:ext uri="{FF2B5EF4-FFF2-40B4-BE49-F238E27FC236}">
-                <a16:creationId xmlns:a16="http://schemas.microsoft.com/office/drawing/2014/main" id="{05343A2C-A36A-C798-A057-1946A84A0FEE}"/>
+                <a16:creationId xmlns:a16="http://schemas.microsoft.com/office/drawing/2014/main" id="{4BD16BAD-6AEF-929B-5E37-7266469BFE29}"/>
               </a:ext>
             </a:extLst>
           </p:cNvPr>
@@ -1434,7 +1434,7 @@
           <p:cNvPr id="7" name="灯片编号占位符 6">
             <a:extLst>
               <a:ext uri="{FF2B5EF4-FFF2-40B4-BE49-F238E27FC236}">
-                <a16:creationId xmlns:a16="http://schemas.microsoft.com/office/drawing/2014/main" id="{2EA6F79F-8929-FB24-0306-5B907019A51B}"/>
+                <a16:creationId xmlns:a16="http://schemas.microsoft.com/office/drawing/2014/main" id="{B292671B-8AC9-87FE-7D99-E4056171AF9F}"/>
               </a:ext>
             </a:extLst>
           </p:cNvPr>
@@ -1450,7 +1450,7 @@
           <a:bodyPr/>
           <a:lstStyle/>
           <a:p>
-            <a:fld id="{647F1E24-9754-45BF-9214-CB70E1AA975D}" type="slidenum">
+            <a:fld id="{52C6F66F-4053-47D2-8FED-0AE04D9126F1}" type="slidenum">
               <a:rPr lang="zh-CN" altLang="en-US" smtClean="0"/>
               <a:t>‹#›</a:t>
             </a:fld>
@@ -1461,7 +1461,7 @@
     </p:spTree>
     <p:extLst>
       <p:ext uri="{BB962C8B-B14F-4D97-AF65-F5344CB8AC3E}">
-        <p14:creationId xmlns:p14="http://schemas.microsoft.com/office/powerpoint/2010/main" val="3084306403"/>
+        <p14:creationId xmlns:p14="http://schemas.microsoft.com/office/powerpoint/2010/main" val="3472036733"/>
       </p:ext>
     </p:extLst>
   </p:cSld>
@@ -1493,7 +1493,7 @@
           <p:cNvPr id="2" name="标题 1">
             <a:extLst>
               <a:ext uri="{FF2B5EF4-FFF2-40B4-BE49-F238E27FC236}">
-                <a16:creationId xmlns:a16="http://schemas.microsoft.com/office/drawing/2014/main" id="{9E3F5DF6-6371-6C8B-2508-F4F3A7E87CA0}"/>
+                <a16:creationId xmlns:a16="http://schemas.microsoft.com/office/drawing/2014/main" id="{619589B9-DF4F-2A08-C45A-3316031B0F62}"/>
               </a:ext>
             </a:extLst>
           </p:cNvPr>
@@ -1526,7 +1526,7 @@
           <p:cNvPr id="3" name="文本占位符 2">
             <a:extLst>
               <a:ext uri="{FF2B5EF4-FFF2-40B4-BE49-F238E27FC236}">
-                <a16:creationId xmlns:a16="http://schemas.microsoft.com/office/drawing/2014/main" id="{765CB41D-6A09-B326-B758-82D665EE35F2}"/>
+                <a16:creationId xmlns:a16="http://schemas.microsoft.com/office/drawing/2014/main" id="{F9E0A010-BD6B-C49B-158B-B035BFFFF74E}"/>
               </a:ext>
             </a:extLst>
           </p:cNvPr>
@@ -1597,7 +1597,7 @@
           <p:cNvPr id="4" name="内容占位符 3">
             <a:extLst>
               <a:ext uri="{FF2B5EF4-FFF2-40B4-BE49-F238E27FC236}">
-                <a16:creationId xmlns:a16="http://schemas.microsoft.com/office/drawing/2014/main" id="{910473E5-21A2-B774-F37D-19C42254E57D}"/>
+                <a16:creationId xmlns:a16="http://schemas.microsoft.com/office/drawing/2014/main" id="{8D0AED14-5468-8A1B-AA00-1FD30ED47B72}"/>
               </a:ext>
             </a:extLst>
           </p:cNvPr>
@@ -1659,7 +1659,7 @@
           <p:cNvPr id="5" name="文本占位符 4">
             <a:extLst>
               <a:ext uri="{FF2B5EF4-FFF2-40B4-BE49-F238E27FC236}">
-                <a16:creationId xmlns:a16="http://schemas.microsoft.com/office/drawing/2014/main" id="{F68B6B20-E42E-3680-E20C-3D78E5178D6C}"/>
+                <a16:creationId xmlns:a16="http://schemas.microsoft.com/office/drawing/2014/main" id="{F682D563-A482-EC90-7779-614BC9664952}"/>
               </a:ext>
             </a:extLst>
           </p:cNvPr>
@@ -1730,7 +1730,7 @@
           <p:cNvPr id="6" name="内容占位符 5">
             <a:extLst>
               <a:ext uri="{FF2B5EF4-FFF2-40B4-BE49-F238E27FC236}">
-                <a16:creationId xmlns:a16="http://schemas.microsoft.com/office/drawing/2014/main" id="{9E35EDDD-5FCC-119E-A7EB-E2B352EDC598}"/>
+                <a16:creationId xmlns:a16="http://schemas.microsoft.com/office/drawing/2014/main" id="{8B5E40CF-0580-9EA1-C80A-057AE8606F0E}"/>
               </a:ext>
             </a:extLst>
           </p:cNvPr>
@@ -1792,7 +1792,7 @@
           <p:cNvPr id="7" name="日期占位符 6">
             <a:extLst>
               <a:ext uri="{FF2B5EF4-FFF2-40B4-BE49-F238E27FC236}">
-                <a16:creationId xmlns:a16="http://schemas.microsoft.com/office/drawing/2014/main" id="{82BCF10C-5988-1A60-D927-CEF4F4928E1D}"/>
+                <a16:creationId xmlns:a16="http://schemas.microsoft.com/office/drawing/2014/main" id="{A46B9B01-B06B-76C1-9695-269DA91D5874}"/>
               </a:ext>
             </a:extLst>
           </p:cNvPr>
@@ -1808,7 +1808,7 @@
           <a:bodyPr/>
           <a:lstStyle/>
           <a:p>
-            <a:fld id="{21DCE71C-C451-4048-9DDA-5C9A3A555AFF}" type="datetimeFigureOut">
+            <a:fld id="{9F1FA16A-14DB-4FB5-A7B7-73FD081F9987}" type="datetimeFigureOut">
               <a:rPr lang="zh-CN" altLang="en-US" smtClean="0"/>
               <a:t>2024/3/10</a:t>
             </a:fld>
@@ -1821,7 +1821,7 @@
           <p:cNvPr id="8" name="页脚占位符 7">
             <a:extLst>
               <a:ext uri="{FF2B5EF4-FFF2-40B4-BE49-F238E27FC236}">
-                <a16:creationId xmlns:a16="http://schemas.microsoft.com/office/drawing/2014/main" id="{1DA45589-F0F5-14D2-99F0-867CD5202F2F}"/>
+                <a16:creationId xmlns:a16="http://schemas.microsoft.com/office/drawing/2014/main" id="{6064295B-4FC2-8E08-2C96-2BB8FC93ED5A}"/>
               </a:ext>
             </a:extLst>
           </p:cNvPr>
@@ -1846,7 +1846,7 @@
           <p:cNvPr id="9" name="灯片编号占位符 8">
             <a:extLst>
               <a:ext uri="{FF2B5EF4-FFF2-40B4-BE49-F238E27FC236}">
-                <a16:creationId xmlns:a16="http://schemas.microsoft.com/office/drawing/2014/main" id="{4618D73A-017A-6C35-5F28-ED4BA45B173F}"/>
+                <a16:creationId xmlns:a16="http://schemas.microsoft.com/office/drawing/2014/main" id="{BABBC4D7-734E-A41E-8872-EE9091DD77F9}"/>
               </a:ext>
             </a:extLst>
           </p:cNvPr>
@@ -1862,7 +1862,7 @@
           <a:bodyPr/>
           <a:lstStyle/>
           <a:p>
-            <a:fld id="{647F1E24-9754-45BF-9214-CB70E1AA975D}" type="slidenum">
+            <a:fld id="{52C6F66F-4053-47D2-8FED-0AE04D9126F1}" type="slidenum">
               <a:rPr lang="zh-CN" altLang="en-US" smtClean="0"/>
               <a:t>‹#›</a:t>
             </a:fld>
@@ -1873,7 +1873,7 @@
     </p:spTree>
     <p:extLst>
       <p:ext uri="{BB962C8B-B14F-4D97-AF65-F5344CB8AC3E}">
-        <p14:creationId xmlns:p14="http://schemas.microsoft.com/office/powerpoint/2010/main" val="3870051615"/>
+        <p14:creationId xmlns:p14="http://schemas.microsoft.com/office/powerpoint/2010/main" val="1122403016"/>
       </p:ext>
     </p:extLst>
   </p:cSld>
@@ -1905,7 +1905,7 @@
           <p:cNvPr id="2" name="标题 1">
             <a:extLst>
               <a:ext uri="{FF2B5EF4-FFF2-40B4-BE49-F238E27FC236}">
-                <a16:creationId xmlns:a16="http://schemas.microsoft.com/office/drawing/2014/main" id="{FD6F92EE-1DA1-088E-7632-4D6C33E4DC19}"/>
+                <a16:creationId xmlns:a16="http://schemas.microsoft.com/office/drawing/2014/main" id="{67B63B3F-EE46-C465-608A-5586F972E7F6}"/>
               </a:ext>
             </a:extLst>
           </p:cNvPr>
@@ -1933,7 +1933,7 @@
           <p:cNvPr id="3" name="日期占位符 2">
             <a:extLst>
               <a:ext uri="{FF2B5EF4-FFF2-40B4-BE49-F238E27FC236}">
-                <a16:creationId xmlns:a16="http://schemas.microsoft.com/office/drawing/2014/main" id="{2DD015CA-A311-724A-D2C6-8B8D824F141C}"/>
+                <a16:creationId xmlns:a16="http://schemas.microsoft.com/office/drawing/2014/main" id="{F29558E3-76A2-EF9D-7964-0748FA287800}"/>
               </a:ext>
             </a:extLst>
           </p:cNvPr>
@@ -1949,7 +1949,7 @@
           <a:bodyPr/>
           <a:lstStyle/>
           <a:p>
-            <a:fld id="{21DCE71C-C451-4048-9DDA-5C9A3A555AFF}" type="datetimeFigureOut">
+            <a:fld id="{9F1FA16A-14DB-4FB5-A7B7-73FD081F9987}" type="datetimeFigureOut">
               <a:rPr lang="zh-CN" altLang="en-US" smtClean="0"/>
               <a:t>2024/3/10</a:t>
             </a:fld>
@@ -1962,7 +1962,7 @@
           <p:cNvPr id="4" name="页脚占位符 3">
             <a:extLst>
               <a:ext uri="{FF2B5EF4-FFF2-40B4-BE49-F238E27FC236}">
-                <a16:creationId xmlns:a16="http://schemas.microsoft.com/office/drawing/2014/main" id="{64EA4E84-21CD-050B-6EAE-4783FED84997}"/>
+                <a16:creationId xmlns:a16="http://schemas.microsoft.com/office/drawing/2014/main" id="{EDBA4075-297F-64F5-0676-F76B144080AC}"/>
               </a:ext>
             </a:extLst>
           </p:cNvPr>
@@ -1987,7 +1987,7 @@
           <p:cNvPr id="5" name="灯片编号占位符 4">
             <a:extLst>
               <a:ext uri="{FF2B5EF4-FFF2-40B4-BE49-F238E27FC236}">
-                <a16:creationId xmlns:a16="http://schemas.microsoft.com/office/drawing/2014/main" id="{4BC40F8F-C4B2-C6AF-E31C-47F93698A5F0}"/>
+                <a16:creationId xmlns:a16="http://schemas.microsoft.com/office/drawing/2014/main" id="{9DC24138-4C81-CD6F-2222-128EB49C3742}"/>
               </a:ext>
             </a:extLst>
           </p:cNvPr>
@@ -2003,7 +2003,7 @@
           <a:bodyPr/>
           <a:lstStyle/>
           <a:p>
-            <a:fld id="{647F1E24-9754-45BF-9214-CB70E1AA975D}" type="slidenum">
+            <a:fld id="{52C6F66F-4053-47D2-8FED-0AE04D9126F1}" type="slidenum">
               <a:rPr lang="zh-CN" altLang="en-US" smtClean="0"/>
               <a:t>‹#›</a:t>
             </a:fld>
@@ -2014,7 +2014,7 @@
     </p:spTree>
     <p:extLst>
       <p:ext uri="{BB962C8B-B14F-4D97-AF65-F5344CB8AC3E}">
-        <p14:creationId xmlns:p14="http://schemas.microsoft.com/office/powerpoint/2010/main" val="4076886729"/>
+        <p14:creationId xmlns:p14="http://schemas.microsoft.com/office/powerpoint/2010/main" val="4113688708"/>
       </p:ext>
     </p:extLst>
   </p:cSld>
@@ -2046,7 +2046,7 @@
           <p:cNvPr id="2" name="日期占位符 1">
             <a:extLst>
               <a:ext uri="{FF2B5EF4-FFF2-40B4-BE49-F238E27FC236}">
-                <a16:creationId xmlns:a16="http://schemas.microsoft.com/office/drawing/2014/main" id="{D3EB771E-0243-A541-E502-D346FFD4960E}"/>
+                <a16:creationId xmlns:a16="http://schemas.microsoft.com/office/drawing/2014/main" id="{4D2FBBF4-B25D-DE09-3D48-0A2F0A9ED61D}"/>
               </a:ext>
             </a:extLst>
           </p:cNvPr>
@@ -2062,7 +2062,7 @@
           <a:bodyPr/>
           <a:lstStyle/>
           <a:p>
-            <a:fld id="{21DCE71C-C451-4048-9DDA-5C9A3A555AFF}" type="datetimeFigureOut">
+            <a:fld id="{9F1FA16A-14DB-4FB5-A7B7-73FD081F9987}" type="datetimeFigureOut">
               <a:rPr lang="zh-CN" altLang="en-US" smtClean="0"/>
               <a:t>2024/3/10</a:t>
             </a:fld>
@@ -2075,7 +2075,7 @@
           <p:cNvPr id="3" name="页脚占位符 2">
             <a:extLst>
               <a:ext uri="{FF2B5EF4-FFF2-40B4-BE49-F238E27FC236}">
-                <a16:creationId xmlns:a16="http://schemas.microsoft.com/office/drawing/2014/main" id="{B14D1268-3800-9373-3D28-7A6F70EDF9BB}"/>
+                <a16:creationId xmlns:a16="http://schemas.microsoft.com/office/drawing/2014/main" id="{30C581F1-1E38-833B-114B-5133D8CAE4CA}"/>
               </a:ext>
             </a:extLst>
           </p:cNvPr>
@@ -2100,7 +2100,7 @@
           <p:cNvPr id="4" name="灯片编号占位符 3">
             <a:extLst>
               <a:ext uri="{FF2B5EF4-FFF2-40B4-BE49-F238E27FC236}">
-                <a16:creationId xmlns:a16="http://schemas.microsoft.com/office/drawing/2014/main" id="{B78D04A8-F137-CF42-60F2-ED45A1B2F7AC}"/>
+                <a16:creationId xmlns:a16="http://schemas.microsoft.com/office/drawing/2014/main" id="{27898918-F2F0-9DEF-A5E9-4B2106FB3965}"/>
               </a:ext>
             </a:extLst>
           </p:cNvPr>
@@ -2116,7 +2116,7 @@
           <a:bodyPr/>
           <a:lstStyle/>
           <a:p>
-            <a:fld id="{647F1E24-9754-45BF-9214-CB70E1AA975D}" type="slidenum">
+            <a:fld id="{52C6F66F-4053-47D2-8FED-0AE04D9126F1}" type="slidenum">
               <a:rPr lang="zh-CN" altLang="en-US" smtClean="0"/>
               <a:t>‹#›</a:t>
             </a:fld>
@@ -2127,7 +2127,7 @@
     </p:spTree>
     <p:extLst>
       <p:ext uri="{BB962C8B-B14F-4D97-AF65-F5344CB8AC3E}">
-        <p14:creationId xmlns:p14="http://schemas.microsoft.com/office/powerpoint/2010/main" val="4101559478"/>
+        <p14:creationId xmlns:p14="http://schemas.microsoft.com/office/powerpoint/2010/main" val="2897103899"/>
       </p:ext>
     </p:extLst>
   </p:cSld>
@@ -2159,7 +2159,7 @@
           <p:cNvPr id="2" name="标题 1">
             <a:extLst>
               <a:ext uri="{FF2B5EF4-FFF2-40B4-BE49-F238E27FC236}">
-                <a16:creationId xmlns:a16="http://schemas.microsoft.com/office/drawing/2014/main" id="{91BEA558-7C33-1211-D42F-C81C31092497}"/>
+                <a16:creationId xmlns:a16="http://schemas.microsoft.com/office/drawing/2014/main" id="{BD33EC98-1D13-1ED6-BBB6-15773331E11D}"/>
               </a:ext>
             </a:extLst>
           </p:cNvPr>
@@ -2196,7 +2196,7 @@
           <p:cNvPr id="3" name="内容占位符 2">
             <a:extLst>
               <a:ext uri="{FF2B5EF4-FFF2-40B4-BE49-F238E27FC236}">
-                <a16:creationId xmlns:a16="http://schemas.microsoft.com/office/drawing/2014/main" id="{28C22FF8-2798-3CB3-A5A3-AECB00E0915F}"/>
+                <a16:creationId xmlns:a16="http://schemas.microsoft.com/office/drawing/2014/main" id="{7378F61D-AD4A-34DE-2B1D-1EE5759A2118}"/>
               </a:ext>
             </a:extLst>
           </p:cNvPr>
@@ -2286,7 +2286,7 @@
           <p:cNvPr id="4" name="文本占位符 3">
             <a:extLst>
               <a:ext uri="{FF2B5EF4-FFF2-40B4-BE49-F238E27FC236}">
-                <a16:creationId xmlns:a16="http://schemas.microsoft.com/office/drawing/2014/main" id="{604F545A-5324-6FA5-AD76-8CD463FE20F9}"/>
+                <a16:creationId xmlns:a16="http://schemas.microsoft.com/office/drawing/2014/main" id="{6D2A7003-1535-083F-710D-986B0978C7F8}"/>
               </a:ext>
             </a:extLst>
           </p:cNvPr>
@@ -2357,7 +2357,7 @@
           <p:cNvPr id="5" name="日期占位符 4">
             <a:extLst>
               <a:ext uri="{FF2B5EF4-FFF2-40B4-BE49-F238E27FC236}">
-                <a16:creationId xmlns:a16="http://schemas.microsoft.com/office/drawing/2014/main" id="{B6BA17FB-F075-499E-2F86-A6D7C06A82AC}"/>
+                <a16:creationId xmlns:a16="http://schemas.microsoft.com/office/drawing/2014/main" id="{2011F611-F411-152B-AB31-039177ACA6F5}"/>
               </a:ext>
             </a:extLst>
           </p:cNvPr>
@@ -2373,7 +2373,7 @@
           <a:bodyPr/>
           <a:lstStyle/>
           <a:p>
-            <a:fld id="{21DCE71C-C451-4048-9DDA-5C9A3A555AFF}" type="datetimeFigureOut">
+            <a:fld id="{9F1FA16A-14DB-4FB5-A7B7-73FD081F9987}" type="datetimeFigureOut">
               <a:rPr lang="zh-CN" altLang="en-US" smtClean="0"/>
               <a:t>2024/3/10</a:t>
             </a:fld>
@@ -2386,7 +2386,7 @@
           <p:cNvPr id="6" name="页脚占位符 5">
             <a:extLst>
               <a:ext uri="{FF2B5EF4-FFF2-40B4-BE49-F238E27FC236}">
-                <a16:creationId xmlns:a16="http://schemas.microsoft.com/office/drawing/2014/main" id="{08FEC7F7-ED28-6B50-74E4-AD81674E570D}"/>
+                <a16:creationId xmlns:a16="http://schemas.microsoft.com/office/drawing/2014/main" id="{F34AC4A3-FF8A-BC4D-7919-39224A013491}"/>
               </a:ext>
             </a:extLst>
           </p:cNvPr>
@@ -2411,7 +2411,7 @@
           <p:cNvPr id="7" name="灯片编号占位符 6">
             <a:extLst>
               <a:ext uri="{FF2B5EF4-FFF2-40B4-BE49-F238E27FC236}">
-                <a16:creationId xmlns:a16="http://schemas.microsoft.com/office/drawing/2014/main" id="{034E031F-FB24-0680-186F-9E696648F53A}"/>
+                <a16:creationId xmlns:a16="http://schemas.microsoft.com/office/drawing/2014/main" id="{74193457-C662-62C4-86AA-51877B9878CB}"/>
               </a:ext>
             </a:extLst>
           </p:cNvPr>
@@ -2427,7 +2427,7 @@
           <a:bodyPr/>
           <a:lstStyle/>
           <a:p>
-            <a:fld id="{647F1E24-9754-45BF-9214-CB70E1AA975D}" type="slidenum">
+            <a:fld id="{52C6F66F-4053-47D2-8FED-0AE04D9126F1}" type="slidenum">
               <a:rPr lang="zh-CN" altLang="en-US" smtClean="0"/>
               <a:t>‹#›</a:t>
             </a:fld>
@@ -2438,7 +2438,7 @@
     </p:spTree>
     <p:extLst>
       <p:ext uri="{BB962C8B-B14F-4D97-AF65-F5344CB8AC3E}">
-        <p14:creationId xmlns:p14="http://schemas.microsoft.com/office/powerpoint/2010/main" val="1953455968"/>
+        <p14:creationId xmlns:p14="http://schemas.microsoft.com/office/powerpoint/2010/main" val="1397601515"/>
       </p:ext>
     </p:extLst>
   </p:cSld>
@@ -2470,7 +2470,7 @@
           <p:cNvPr id="2" name="标题 1">
             <a:extLst>
               <a:ext uri="{FF2B5EF4-FFF2-40B4-BE49-F238E27FC236}">
-                <a16:creationId xmlns:a16="http://schemas.microsoft.com/office/drawing/2014/main" id="{4573EF10-C52D-8CEC-8495-180CB3005F47}"/>
+                <a16:creationId xmlns:a16="http://schemas.microsoft.com/office/drawing/2014/main" id="{41EF4DE2-9931-7299-9E1E-81DE0B361264}"/>
               </a:ext>
             </a:extLst>
           </p:cNvPr>
@@ -2507,7 +2507,7 @@
           <p:cNvPr id="3" name="图片占位符 2">
             <a:extLst>
               <a:ext uri="{FF2B5EF4-FFF2-40B4-BE49-F238E27FC236}">
-                <a16:creationId xmlns:a16="http://schemas.microsoft.com/office/drawing/2014/main" id="{F1E6E4EA-AC84-9157-ECD5-0E69598FC879}"/>
+                <a16:creationId xmlns:a16="http://schemas.microsoft.com/office/drawing/2014/main" id="{9DA314AB-F2C8-DD47-ED01-42AA9FFD91E8}"/>
               </a:ext>
             </a:extLst>
           </p:cNvPr>
@@ -2574,7 +2574,7 @@
           <p:cNvPr id="4" name="文本占位符 3">
             <a:extLst>
               <a:ext uri="{FF2B5EF4-FFF2-40B4-BE49-F238E27FC236}">
-                <a16:creationId xmlns:a16="http://schemas.microsoft.com/office/drawing/2014/main" id="{88BD492E-A0FB-26FF-F4B2-78CBD50F62C6}"/>
+                <a16:creationId xmlns:a16="http://schemas.microsoft.com/office/drawing/2014/main" id="{3346347F-9D4C-549B-754D-7F104C1D2332}"/>
               </a:ext>
             </a:extLst>
           </p:cNvPr>
@@ -2645,7 +2645,7 @@
           <p:cNvPr id="5" name="日期占位符 4">
             <a:extLst>
               <a:ext uri="{FF2B5EF4-FFF2-40B4-BE49-F238E27FC236}">
-                <a16:creationId xmlns:a16="http://schemas.microsoft.com/office/drawing/2014/main" id="{38EE19F3-D6CF-E7F7-87EF-E7FC177AE9BC}"/>
+                <a16:creationId xmlns:a16="http://schemas.microsoft.com/office/drawing/2014/main" id="{7DF9D05E-657B-5DA0-7CF9-51D3B1DA28E0}"/>
               </a:ext>
             </a:extLst>
           </p:cNvPr>
@@ -2661,7 +2661,7 @@
           <a:bodyPr/>
           <a:lstStyle/>
           <a:p>
-            <a:fld id="{21DCE71C-C451-4048-9DDA-5C9A3A555AFF}" type="datetimeFigureOut">
+            <a:fld id="{9F1FA16A-14DB-4FB5-A7B7-73FD081F9987}" type="datetimeFigureOut">
               <a:rPr lang="zh-CN" altLang="en-US" smtClean="0"/>
               <a:t>2024/3/10</a:t>
             </a:fld>
@@ -2674,7 +2674,7 @@
           <p:cNvPr id="6" name="页脚占位符 5">
             <a:extLst>
               <a:ext uri="{FF2B5EF4-FFF2-40B4-BE49-F238E27FC236}">
-                <a16:creationId xmlns:a16="http://schemas.microsoft.com/office/drawing/2014/main" id="{278BB7AD-0CE4-9CAB-D09C-462045CDE054}"/>
+                <a16:creationId xmlns:a16="http://schemas.microsoft.com/office/drawing/2014/main" id="{8474B95A-FEB3-E42A-FF63-C668FFF75E5F}"/>
               </a:ext>
             </a:extLst>
           </p:cNvPr>
@@ -2699,7 +2699,7 @@
           <p:cNvPr id="7" name="灯片编号占位符 6">
             <a:extLst>
               <a:ext uri="{FF2B5EF4-FFF2-40B4-BE49-F238E27FC236}">
-                <a16:creationId xmlns:a16="http://schemas.microsoft.com/office/drawing/2014/main" id="{C243A244-CCFD-6551-AF0C-FE83F0759128}"/>
+                <a16:creationId xmlns:a16="http://schemas.microsoft.com/office/drawing/2014/main" id="{0D5B0A36-DE92-BC90-CCA8-D1D97018ABCF}"/>
               </a:ext>
             </a:extLst>
           </p:cNvPr>
@@ -2715,7 +2715,7 @@
           <a:bodyPr/>
           <a:lstStyle/>
           <a:p>
-            <a:fld id="{647F1E24-9754-45BF-9214-CB70E1AA975D}" type="slidenum">
+            <a:fld id="{52C6F66F-4053-47D2-8FED-0AE04D9126F1}" type="slidenum">
               <a:rPr lang="zh-CN" altLang="en-US" smtClean="0"/>
               <a:t>‹#›</a:t>
             </a:fld>
@@ -2726,7 +2726,7 @@
     </p:spTree>
     <p:extLst>
       <p:ext uri="{BB962C8B-B14F-4D97-AF65-F5344CB8AC3E}">
-        <p14:creationId xmlns:p14="http://schemas.microsoft.com/office/powerpoint/2010/main" val="1423236683"/>
+        <p14:creationId xmlns:p14="http://schemas.microsoft.com/office/powerpoint/2010/main" val="2594765297"/>
       </p:ext>
     </p:extLst>
   </p:cSld>
@@ -2763,7 +2763,7 @@
           <p:cNvPr id="2" name="标题占位符 1">
             <a:extLst>
               <a:ext uri="{FF2B5EF4-FFF2-40B4-BE49-F238E27FC236}">
-                <a16:creationId xmlns:a16="http://schemas.microsoft.com/office/drawing/2014/main" id="{D031935E-05C5-84DB-8D2E-5B180D6BD772}"/>
+                <a16:creationId xmlns:a16="http://schemas.microsoft.com/office/drawing/2014/main" id="{A845BB62-5936-C107-6263-A3814296B598}"/>
               </a:ext>
             </a:extLst>
           </p:cNvPr>
@@ -2801,7 +2801,7 @@
           <p:cNvPr id="3" name="文本占位符 2">
             <a:extLst>
               <a:ext uri="{FF2B5EF4-FFF2-40B4-BE49-F238E27FC236}">
-                <a16:creationId xmlns:a16="http://schemas.microsoft.com/office/drawing/2014/main" id="{DA7C64A6-2F0B-F63D-B78B-3661A86CD3AF}"/>
+                <a16:creationId xmlns:a16="http://schemas.microsoft.com/office/drawing/2014/main" id="{9BAD7508-F2D1-BA5F-4639-BA6F3CA835B1}"/>
               </a:ext>
             </a:extLst>
           </p:cNvPr>
@@ -2868,7 +2868,7 @@
           <p:cNvPr id="4" name="日期占位符 3">
             <a:extLst>
               <a:ext uri="{FF2B5EF4-FFF2-40B4-BE49-F238E27FC236}">
-                <a16:creationId xmlns:a16="http://schemas.microsoft.com/office/drawing/2014/main" id="{4BFB4C9E-FD38-DD7C-6438-3A458836B3E6}"/>
+                <a16:creationId xmlns:a16="http://schemas.microsoft.com/office/drawing/2014/main" id="{F4470CC0-10D8-AF2B-319F-C3BC0246B8D5}"/>
               </a:ext>
             </a:extLst>
           </p:cNvPr>
@@ -2902,7 +2902,7 @@
             </a:lvl1pPr>
           </a:lstStyle>
           <a:p>
-            <a:fld id="{21DCE71C-C451-4048-9DDA-5C9A3A555AFF}" type="datetimeFigureOut">
+            <a:fld id="{9F1FA16A-14DB-4FB5-A7B7-73FD081F9987}" type="datetimeFigureOut">
               <a:rPr lang="zh-CN" altLang="en-US" smtClean="0"/>
               <a:t>2024/3/10</a:t>
             </a:fld>
@@ -2915,7 +2915,7 @@
           <p:cNvPr id="5" name="页脚占位符 4">
             <a:extLst>
               <a:ext uri="{FF2B5EF4-FFF2-40B4-BE49-F238E27FC236}">
-                <a16:creationId xmlns:a16="http://schemas.microsoft.com/office/drawing/2014/main" id="{9AC6ED1B-525D-89A4-45B7-999753669BF8}"/>
+                <a16:creationId xmlns:a16="http://schemas.microsoft.com/office/drawing/2014/main" id="{1FDFE40A-F2D6-13F0-B2B1-4A6FC7A475B7}"/>
               </a:ext>
             </a:extLst>
           </p:cNvPr>
@@ -2958,7 +2958,7 @@
           <p:cNvPr id="6" name="灯片编号占位符 5">
             <a:extLst>
               <a:ext uri="{FF2B5EF4-FFF2-40B4-BE49-F238E27FC236}">
-                <a16:creationId xmlns:a16="http://schemas.microsoft.com/office/drawing/2014/main" id="{83B6A1EC-E29D-7539-8D32-E511EE450214}"/>
+                <a16:creationId xmlns:a16="http://schemas.microsoft.com/office/drawing/2014/main" id="{8E5370D5-CA8C-9AF9-B542-40EE180BD1B8}"/>
               </a:ext>
             </a:extLst>
           </p:cNvPr>
@@ -2992,7 +2992,7 @@
             </a:lvl1pPr>
           </a:lstStyle>
           <a:p>
-            <a:fld id="{647F1E24-9754-45BF-9214-CB70E1AA975D}" type="slidenum">
+            <a:fld id="{52C6F66F-4053-47D2-8FED-0AE04D9126F1}" type="slidenum">
               <a:rPr lang="zh-CN" altLang="en-US" smtClean="0"/>
               <a:t>‹#›</a:t>
             </a:fld>
@@ -3003,7 +3003,7 @@
     </p:spTree>
     <p:extLst>
       <p:ext uri="{BB962C8B-B14F-4D97-AF65-F5344CB8AC3E}">
-        <p14:creationId xmlns:p14="http://schemas.microsoft.com/office/powerpoint/2010/main" val="45109696"/>
+        <p14:creationId xmlns:p14="http://schemas.microsoft.com/office/powerpoint/2010/main" val="3143660501"/>
       </p:ext>
     </p:extLst>
   </p:cSld>
@@ -3323,7 +3323,7 @@
       </p:grpSpPr>
       <p:pic>
         <p:nvPicPr>
-          <p:cNvPr id="1361922" name="Picture 2" descr="1329"/>
+          <p:cNvPr id="1362946" name="Picture 2" descr="1330"/>
           <p:cNvPicPr>
             <a:picLocks noChangeAspect="1" noChangeArrowheads="1"/>
           </p:cNvPicPr>
@@ -3345,7 +3345,7 @@
         <p:spPr bwMode="auto">
           <a:xfrm>
             <a:off x="1524000" y="0"/>
-            <a:ext cx="9144000" cy="5734050"/>
+            <a:ext cx="9144000" cy="6858000"/>
           </a:xfrm>
           <a:prstGeom prst="rect">
             <a:avLst/>
@@ -3375,11 +3375,275 @@
           </a:extLst>
         </p:spPr>
       </p:pic>
+      <p:pic>
+        <p:nvPicPr>
+          <p:cNvPr id="1363971" name="Picture 3" descr="1330-2"/>
+          <p:cNvPicPr>
+            <a:picLocks noChangeAspect="1" noChangeArrowheads="1"/>
+          </p:cNvPicPr>
+          <p:nvPr/>
+        </p:nvPicPr>
+        <p:blipFill>
+          <a:blip r:embed="rId3">
+            <a:extLst>
+              <a:ext uri="{28A0092B-C50C-407E-A947-70E740481C1C}">
+                <a14:useLocalDpi xmlns:a14="http://schemas.microsoft.com/office/drawing/2010/main" val="0"/>
+              </a:ext>
+            </a:extLst>
+          </a:blip>
+          <a:srcRect/>
+          <a:stretch>
+            <a:fillRect/>
+          </a:stretch>
+        </p:blipFill>
+        <p:spPr bwMode="auto">
+          <a:xfrm>
+            <a:off x="1524000" y="0"/>
+            <a:ext cx="9144000" cy="6858000"/>
+          </a:xfrm>
+          <a:prstGeom prst="rect">
+            <a:avLst/>
+          </a:prstGeom>
+          <a:noFill/>
+          <a:ln>
+            <a:noFill/>
+          </a:ln>
+          <a:effectLst/>
+          <a:extLst>
+            <a:ext uri="{909E8E84-426E-40DD-AFC4-6F175D3DCCD1}">
+              <a14:hiddenFill xmlns:a14="http://schemas.microsoft.com/office/drawing/2010/main">
+                <a:solidFill>
+                  <a:srgbClr val="FFFFFF"/>
+                </a:solidFill>
+              </a14:hiddenFill>
+            </a:ext>
+            <a:ext uri="{91240B29-F687-4F45-9708-019B960494DF}">
+              <a14:hiddenLine xmlns:a14="http://schemas.microsoft.com/office/drawing/2010/main" w="9525">
+                <a:solidFill>
+                  <a:srgbClr val="000000"/>
+                </a:solidFill>
+                <a:miter lim="800000"/>
+                <a:headEnd/>
+                <a:tailEnd/>
+              </a14:hiddenLine>
+            </a:ext>
+            <a:ext uri="{AF507438-7753-43E0-B8FC-AC1667EBCBE1}">
+              <a14:hiddenEffects xmlns:a14="http://schemas.microsoft.com/office/drawing/2010/main">
+                <a:effectLst>
+                  <a:outerShdw dist="35921" dir="2700000" algn="ctr" rotWithShape="0">
+                    <a:srgbClr val="808080"/>
+                  </a:outerShdw>
+                </a:effectLst>
+              </a14:hiddenEffects>
+            </a:ext>
+          </a:extLst>
+        </p:spPr>
+      </p:pic>
+      <p:pic>
+        <p:nvPicPr>
+          <p:cNvPr id="1363972" name="Picture 4" descr="1330-3"/>
+          <p:cNvPicPr>
+            <a:picLocks noChangeAspect="1" noChangeArrowheads="1"/>
+          </p:cNvPicPr>
+          <p:nvPr/>
+        </p:nvPicPr>
+        <p:blipFill>
+          <a:blip r:embed="rId4">
+            <a:extLst>
+              <a:ext uri="{28A0092B-C50C-407E-A947-70E740481C1C}">
+                <a14:useLocalDpi xmlns:a14="http://schemas.microsoft.com/office/drawing/2010/main" val="0"/>
+              </a:ext>
+            </a:extLst>
+          </a:blip>
+          <a:srcRect/>
+          <a:stretch>
+            <a:fillRect/>
+          </a:stretch>
+        </p:blipFill>
+        <p:spPr bwMode="auto">
+          <a:xfrm>
+            <a:off x="1524000" y="0"/>
+            <a:ext cx="9144000" cy="6858000"/>
+          </a:xfrm>
+          <a:prstGeom prst="rect">
+            <a:avLst/>
+          </a:prstGeom>
+          <a:noFill/>
+          <a:ln>
+            <a:noFill/>
+          </a:ln>
+          <a:effectLst/>
+          <a:extLst>
+            <a:ext uri="{909E8E84-426E-40DD-AFC4-6F175D3DCCD1}">
+              <a14:hiddenFill xmlns:a14="http://schemas.microsoft.com/office/drawing/2010/main">
+                <a:solidFill>
+                  <a:srgbClr val="FFFFFF"/>
+                </a:solidFill>
+              </a14:hiddenFill>
+            </a:ext>
+            <a:ext uri="{91240B29-F687-4F45-9708-019B960494DF}">
+              <a14:hiddenLine xmlns:a14="http://schemas.microsoft.com/office/drawing/2010/main" w="9525">
+                <a:solidFill>
+                  <a:srgbClr val="000000"/>
+                </a:solidFill>
+                <a:miter lim="800000"/>
+                <a:headEnd/>
+                <a:tailEnd/>
+              </a14:hiddenLine>
+            </a:ext>
+            <a:ext uri="{AF507438-7753-43E0-B8FC-AC1667EBCBE1}">
+              <a14:hiddenEffects xmlns:a14="http://schemas.microsoft.com/office/drawing/2010/main">
+                <a:effectLst>
+                  <a:outerShdw dist="35921" dir="2700000" algn="ctr" rotWithShape="0">
+                    <a:srgbClr val="808080"/>
+                  </a:outerShdw>
+                </a:effectLst>
+              </a14:hiddenEffects>
+            </a:ext>
+          </a:extLst>
+        </p:spPr>
+      </p:pic>
     </p:spTree>
   </p:cSld>
   <p:clrMapOvr>
     <a:masterClrMapping/>
   </p:clrMapOvr>
+  <p:timing>
+    <p:tnLst>
+      <p:par>
+        <p:cTn id="1" dur="indefinite" restart="never" nodeType="tmRoot">
+          <p:childTnLst>
+            <p:seq concurrent="1" nextAc="seek">
+              <p:cTn id="2" dur="indefinite" nodeType="mainSeq">
+                <p:childTnLst>
+                  <p:par>
+                    <p:cTn id="3" fill="hold" nodeType="clickPar">
+                      <p:stCondLst>
+                        <p:cond delay="indefinite"/>
+                      </p:stCondLst>
+                      <p:childTnLst>
+                        <p:par>
+                          <p:cTn id="4" fill="hold" nodeType="withGroup">
+                            <p:stCondLst>
+                              <p:cond delay="0"/>
+                            </p:stCondLst>
+                            <p:childTnLst>
+                              <p:par>
+                                <p:cTn id="5" presetID="10" presetClass="entr" presetSubtype="0" fill="hold" nodeType="clickEffect">
+                                  <p:stCondLst>
+                                    <p:cond delay="0"/>
+                                  </p:stCondLst>
+                                  <p:childTnLst>
+                                    <p:set>
+                                      <p:cBhvr>
+                                        <p:cTn id="6" dur="1" fill="hold">
+                                          <p:stCondLst>
+                                            <p:cond delay="0"/>
+                                          </p:stCondLst>
+                                        </p:cTn>
+                                        <p:tgtEl>
+                                          <p:spTgt spid="1363971"/>
+                                        </p:tgtEl>
+                                        <p:attrNameLst>
+                                          <p:attrName>style.visibility</p:attrName>
+                                        </p:attrNameLst>
+                                      </p:cBhvr>
+                                      <p:to>
+                                        <p:strVal val="visible"/>
+                                      </p:to>
+                                    </p:set>
+                                    <p:animEffect transition="in" filter="fade">
+                                      <p:cBhvr>
+                                        <p:cTn id="7" dur="2000"/>
+                                        <p:tgtEl>
+                                          <p:spTgt spid="1363971"/>
+                                        </p:tgtEl>
+                                      </p:cBhvr>
+                                    </p:animEffect>
+                                  </p:childTnLst>
+                                </p:cTn>
+                              </p:par>
+                            </p:childTnLst>
+                          </p:cTn>
+                        </p:par>
+                      </p:childTnLst>
+                    </p:cTn>
+                  </p:par>
+                  <p:par>
+                    <p:cTn id="8" fill="hold" nodeType="clickPar">
+                      <p:stCondLst>
+                        <p:cond delay="indefinite"/>
+                      </p:stCondLst>
+                      <p:childTnLst>
+                        <p:par>
+                          <p:cTn id="9" fill="hold" nodeType="withGroup">
+                            <p:stCondLst>
+                              <p:cond delay="0"/>
+                            </p:stCondLst>
+                            <p:childTnLst>
+                              <p:par>
+                                <p:cTn id="10" presetID="10" presetClass="entr" presetSubtype="0" fill="hold" nodeType="clickEffect">
+                                  <p:stCondLst>
+                                    <p:cond delay="0"/>
+                                  </p:stCondLst>
+                                  <p:childTnLst>
+                                    <p:set>
+                                      <p:cBhvr>
+                                        <p:cTn id="11" dur="1" fill="hold">
+                                          <p:stCondLst>
+                                            <p:cond delay="0"/>
+                                          </p:stCondLst>
+                                        </p:cTn>
+                                        <p:tgtEl>
+                                          <p:spTgt spid="1363972"/>
+                                        </p:tgtEl>
+                                        <p:attrNameLst>
+                                          <p:attrName>style.visibility</p:attrName>
+                                        </p:attrNameLst>
+                                      </p:cBhvr>
+                                      <p:to>
+                                        <p:strVal val="visible"/>
+                                      </p:to>
+                                    </p:set>
+                                    <p:animEffect transition="in" filter="fade">
+                                      <p:cBhvr>
+                                        <p:cTn id="12" dur="500"/>
+                                        <p:tgtEl>
+                                          <p:spTgt spid="1363972"/>
+                                        </p:tgtEl>
+                                      </p:cBhvr>
+                                    </p:animEffect>
+                                  </p:childTnLst>
+                                </p:cTn>
+                              </p:par>
+                            </p:childTnLst>
+                          </p:cTn>
+                        </p:par>
+                      </p:childTnLst>
+                    </p:cTn>
+                  </p:par>
+                </p:childTnLst>
+              </p:cTn>
+              <p:prevCondLst>
+                <p:cond evt="onPrev" delay="0">
+                  <p:tgtEl>
+                    <p:sldTgt/>
+                  </p:tgtEl>
+                </p:cond>
+              </p:prevCondLst>
+              <p:nextCondLst>
+                <p:cond evt="onNext" delay="0">
+                  <p:tgtEl>
+                    <p:sldTgt/>
+                  </p:tgtEl>
+                </p:cond>
+              </p:nextCondLst>
+            </p:seq>
+          </p:childTnLst>
+        </p:cTn>
+      </p:par>
+    </p:tnLst>
+  </p:timing>
 </p:sld>
 </file>
 
